--- a/CSE213-CloudBrust Prediction System-Review3.pptx
+++ b/CSE213-CloudBrust Prediction System-Review3.pptx
@@ -272,7 +272,7 @@
 <file path=ppt/revisionInfo.xml><?xml version="1.0" encoding="utf-8"?>
 <p1510:revInfo xmlns:a="http://schemas.openxmlformats.org/drawingml/2006/main" xmlns:r="http://schemas.openxmlformats.org/officeDocument/2006/relationships" xmlns:p1510="http://schemas.microsoft.com/office/powerpoint/2015/10/main">
   <p1510:revLst>
-    <p1510:client id="{8F0BE5A5-0F5C-D109-E04F-62F1ADF6183C}" v="217" dt="2025-09-23T15:39:38.411"/>
+    <p1510:client id="{E8565EEC-3B4F-47CF-8AEA-E061F900C79C}" v="1" dt="2025-09-26T04:57:19.702"/>
   </p1510:revLst>
 </p1510:revInfo>
 </file>
@@ -14815,7 +14815,7 @@
           <a:bodyPr/>
           <a:lstStyle/>
           <a:p>
-            <a:endParaRPr lang="en-US"/>
+            <a:endParaRPr lang="en-US" dirty="0"/>
           </a:p>
         </p:txBody>
       </p:sp>
@@ -15555,10 +15555,10 @@
       </p:sp>
       <p:pic>
         <p:nvPicPr>
-          <p:cNvPr id="2" name="Picture 1" descr="A diagram of a software system&#10;&#10;AI-generated content may be incorrect.">
+          <p:cNvPr id="4" name="Picture 3">
             <a:extLst>
               <a:ext uri="{FF2B5EF4-FFF2-40B4-BE49-F238E27FC236}">
-                <a16:creationId xmlns:a16="http://schemas.microsoft.com/office/drawing/2014/main" id="{63EF46A2-D9C2-632A-B168-0F5EE0FF6148}"/>
+                <a16:creationId xmlns:a16="http://schemas.microsoft.com/office/drawing/2014/main" id="{46A1BA48-3834-8016-38D7-5554988A06C6}"/>
               </a:ext>
             </a:extLst>
           </p:cNvPr>
@@ -15569,15 +15569,14 @@
         </p:nvPicPr>
         <p:blipFill>
           <a:blip r:embed="rId3"/>
-          <a:srcRect r="1827" b="155"/>
           <a:stretch>
             <a:fillRect/>
           </a:stretch>
         </p:blipFill>
         <p:spPr>
           <a:xfrm>
-            <a:off x="934266" y="933822"/>
-            <a:ext cx="9083231" cy="5244366"/>
+            <a:off x="3055260" y="917863"/>
+            <a:ext cx="6130303" cy="5205846"/>
           </a:xfrm>
           <a:prstGeom prst="rect">
             <a:avLst/>
@@ -19023,10 +19022,10 @@
       </p:sp>
       <p:sp>
         <p:nvSpPr>
-          <p:cNvPr id="4" name="TextBox 3">
+          <p:cNvPr id="3" name="TextBox 2">
             <a:extLst>
               <a:ext uri="{FF2B5EF4-FFF2-40B4-BE49-F238E27FC236}">
-                <a16:creationId xmlns:a16="http://schemas.microsoft.com/office/drawing/2014/main" id="{A87AD2CC-6759-0C9A-2C74-61DEAAA360EA}"/>
+                <a16:creationId xmlns:a16="http://schemas.microsoft.com/office/drawing/2014/main" id="{E4AFF615-31D0-794C-A929-9D649DF148CA}"/>
               </a:ext>
             </a:extLst>
           </p:cNvPr>
@@ -19035,8 +19034,8 @@
         </p:nvSpPr>
         <p:spPr>
           <a:xfrm>
-            <a:off x="762000" y="1152145"/>
-            <a:ext cx="10668000" cy="4524315"/>
+            <a:off x="904009" y="1246909"/>
+            <a:ext cx="10393256" cy="3785652"/>
           </a:xfrm>
           <a:prstGeom prst="rect">
             <a:avLst/>
@@ -19044,48 +19043,16 @@
           <a:noFill/>
         </p:spPr>
         <p:txBody>
-          <a:bodyPr wrap="square" lIns="91440" tIns="45720" rIns="91440" bIns="45720" rtlCol="0" anchor="t">
+          <a:bodyPr wrap="square">
             <a:spAutoFit/>
           </a:bodyPr>
           <a:lstStyle/>
           <a:p>
             <a:r>
-              <a:rPr lang="en-US" sz="1800" dirty="0">
-                <a:latin typeface="Cambria"/>
-              </a:rPr>
-              <a:t>Cloudbursts are sudden, intense rainfall events that can lead to devastating flash floods, especially in mountainous and urban regions. Early detection and timely alerts are crucial to mitigate their impact. This project presents a Cloudburst Prediction System developed using JavaScript and ReactJS, designed to provide real-time weather monitoring and alert generation through a web-based interface.</a:t>
-            </a:r>
-          </a:p>
-          <a:p>
-            <a:endParaRPr lang="en-US" sz="1800" dirty="0">
-              <a:latin typeface="Cambria"/>
-            </a:endParaRPr>
-          </a:p>
-          <a:p>
-            <a:r>
-              <a:rPr lang="en-US" sz="1800" dirty="0">
-                <a:latin typeface="Cambria"/>
-              </a:rPr>
-              <a:t>The system architecture comprises a ReactJS-based user interface for data input and alert visualization, and a JavaScript-powered backend API that fetches real-time weather data from external sources . The backend processes this data using a rule-based Alert Rules Engine, which evaluates predefined thresholds for parameters like rainfall intensity, humidity, and atmospheric pressure. When conditions indicate a potential cloudburst, the system triggers alerts via a Notification Module, which supports both on-screen and email/SMS notifications.</a:t>
-            </a:r>
-          </a:p>
-          <a:p>
-            <a:endParaRPr lang="en-US" sz="1800" dirty="0">
-              <a:latin typeface="Cambria"/>
-            </a:endParaRPr>
-          </a:p>
-          <a:p>
-            <a:r>
-              <a:rPr lang="en-US" sz="1800" dirty="0">
-                <a:latin typeface="Cambria"/>
-              </a:rPr>
-              <a:t>This project demonstrates how modern web technologies can be effectively leveraged to build a responsive and reliable early warning system for natural disasters, without relying on complex machine learning models.</a:t>
-            </a:r>
-          </a:p>
-          <a:p>
-            <a:endParaRPr lang="en-US" sz="1800" dirty="0">
-              <a:latin typeface="Cambria"/>
-            </a:endParaRPr>
+              <a:rPr lang="en-US" sz="2000" dirty="0"/>
+              <a:t>Cloudbursts are sudden and extreme rainfall events that cause severe flooding, landslides, and damage to life and property, especially in hilly and mountainous regions. Predicting cloudbursts is a major challenge due to their highly localized and abrupt nature. This research proposes a machine learning-based Cloudburst Prediction System that leverages meteorological data such as temperature, humidity, rainfall intensity, and wind speed to forecast the likelihood of a cloudburst. Several supervised learning algorithms including Logistic Regression, Naïve Bayes, Random Forest, and Support Vector Machine (SVM) were trained and evaluated on a labelled dataset. Experimental results show that Random Forest achieved the highest accuracy among the tested models, followed closely by SVM. The system also provides visualization and deployment capabilities to enable real-time predictions. This work demonstrates the effectiveness of machine learning in disaster management and provides a scalable framework for predictive analytics in meteorology.</a:t>
+            </a:r>
+            <a:endParaRPr lang="en-IN" sz="2000" dirty="0"/>
           </a:p>
         </p:txBody>
       </p:sp>
